--- a/ProjectArchitecture.pptx
+++ b/ProjectArchitecture.pptx
@@ -215,7 +215,7 @@
           <a:effectLst/>
           <a:extLst>
             <a:ext uri="{91240B29-F687-4f45-9708-019B960494DF}">
-              <a14:hiddenLine xmlns="" xmlns:a14="http://schemas.microsoft.com/office/drawing/2010/main" w="9525">
+              <a14:hiddenLine xmlns:a14="http://schemas.microsoft.com/office/drawing/2010/main" xmlns="" w="9525">
                 <a:solidFill>
                   <a:srgbClr val="000000"/>
                 </a:solidFill>
@@ -1725,7 +1725,7 @@
           <a:ln/>
           <a:extLst>
             <a:ext uri="{91240B29-F687-4f45-9708-019B960494DF}">
-              <a14:hiddenLine xmlns="" xmlns:a14="http://schemas.microsoft.com/office/drawing/2010/main" w="9525">
+              <a14:hiddenLine xmlns:a14="http://schemas.microsoft.com/office/drawing/2010/main" xmlns="" w="9525">
                 <a:solidFill>
                   <a:srgbClr val="000000"/>
                 </a:solidFill>
@@ -1997,7 +1997,7 @@
           <a:ln/>
           <a:extLst>
             <a:ext uri="{91240B29-F687-4f45-9708-019B960494DF}">
-              <a14:hiddenLine xmlns="" xmlns:a14="http://schemas.microsoft.com/office/drawing/2010/main" w="9525">
+              <a14:hiddenLine xmlns:a14="http://schemas.microsoft.com/office/drawing/2010/main" xmlns="" w="9525">
                 <a:solidFill>
                   <a:srgbClr val="000000"/>
                 </a:solidFill>
@@ -2277,7 +2277,7 @@
           <a:ln/>
           <a:extLst>
             <a:ext uri="{91240B29-F687-4f45-9708-019B960494DF}">
-              <a14:hiddenLine xmlns="" xmlns:a14="http://schemas.microsoft.com/office/drawing/2010/main" w="9525">
+              <a14:hiddenLine xmlns:a14="http://schemas.microsoft.com/office/drawing/2010/main" xmlns="" w="9525">
                 <a:solidFill>
                   <a:srgbClr val="000000"/>
                 </a:solidFill>
@@ -2897,7 +2897,7 @@
           <a:ln/>
           <a:extLst>
             <a:ext uri="{91240B29-F687-4f45-9708-019B960494DF}">
-              <a14:hiddenLine xmlns="" xmlns:a14="http://schemas.microsoft.com/office/drawing/2010/main" w="9525">
+              <a14:hiddenLine xmlns:a14="http://schemas.microsoft.com/office/drawing/2010/main" xmlns="" w="9525">
                 <a:solidFill>
                   <a:srgbClr val="000000"/>
                 </a:solidFill>
@@ -3233,7 +3233,7 @@
           <a:ln/>
           <a:extLst>
             <a:ext uri="{91240B29-F687-4f45-9708-019B960494DF}">
-              <a14:hiddenLine xmlns="" xmlns:a14="http://schemas.microsoft.com/office/drawing/2010/main" w="9525">
+              <a14:hiddenLine xmlns:a14="http://schemas.microsoft.com/office/drawing/2010/main" xmlns="" w="9525">
                 <a:solidFill>
                   <a:srgbClr val="000000"/>
                 </a:solidFill>
@@ -3707,7 +3707,7 @@
           <a:ln/>
           <a:extLst>
             <a:ext uri="{91240B29-F687-4f45-9708-019B960494DF}">
-              <a14:hiddenLine xmlns="" xmlns:a14="http://schemas.microsoft.com/office/drawing/2010/main" w="9525">
+              <a14:hiddenLine xmlns:a14="http://schemas.microsoft.com/office/drawing/2010/main" xmlns="" w="9525">
                 <a:solidFill>
                   <a:srgbClr val="000000"/>
                 </a:solidFill>
@@ -4130,7 +4130,7 @@
           <a:ln/>
           <a:extLst>
             <a:ext uri="{91240B29-F687-4f45-9708-019B960494DF}">
-              <a14:hiddenLine xmlns="" xmlns:a14="http://schemas.microsoft.com/office/drawing/2010/main" w="9525">
+              <a14:hiddenLine xmlns:a14="http://schemas.microsoft.com/office/drawing/2010/main" xmlns="" w="9525">
                 <a:solidFill>
                   <a:srgbClr val="000000"/>
                 </a:solidFill>
@@ -5723,7 +5723,7 @@
           <a:p>
             <a:r>
               <a:rPr lang="en-PA" dirty="0"/>
-              <a:t>Actions and Outlets IN Swift</a:t>
+              <a:t>Actions and Outlets In Swift</a:t>
             </a:r>
           </a:p>
         </p:txBody>
@@ -6002,8 +6002,8 @@
         </p:blipFill>
         <p:spPr bwMode="auto">
           <a:xfrm>
-            <a:off x="7542152" y="1417638"/>
-            <a:ext cx="2222049" cy="4894133"/>
+            <a:off x="6017275" y="1417638"/>
+            <a:ext cx="2375611" cy="5232358"/>
           </a:xfrm>
           <a:prstGeom prst="rect">
             <a:avLst/>
@@ -6051,6 +6051,112 @@
             <a:r>
               <a:rPr lang="en-PA" dirty="0"/>
               <a:t>HOME SCREEN</a:t>
+            </a:r>
+          </a:p>
+        </p:txBody>
+      </p:sp>
+      <p:pic>
+        <p:nvPicPr>
+          <p:cNvPr id="8" name="Picture 7">
+            <a:extLst>
+              <a:ext uri="{FF2B5EF4-FFF2-40B4-BE49-F238E27FC236}">
+                <a16:creationId xmlns:a16="http://schemas.microsoft.com/office/drawing/2014/main" id="{BBEF1F78-61F2-5047-B77F-B590BE487B28}"/>
+              </a:ext>
+            </a:extLst>
+          </p:cNvPr>
+          <p:cNvPicPr>
+            <a:picLocks noChangeAspect="1"/>
+          </p:cNvPicPr>
+          <p:nvPr/>
+        </p:nvPicPr>
+        <p:blipFill>
+          <a:blip r:embed="rId3"/>
+          <a:stretch>
+            <a:fillRect/>
+          </a:stretch>
+        </p:blipFill>
+        <p:spPr>
+          <a:xfrm>
+            <a:off x="9602366" y="1417638"/>
+            <a:ext cx="2233979" cy="4894133"/>
+          </a:xfrm>
+          <a:prstGeom prst="rect">
+            <a:avLst/>
+          </a:prstGeom>
+        </p:spPr>
+      </p:pic>
+      <p:cxnSp>
+        <p:nvCxnSpPr>
+          <p:cNvPr id="10" name="Straight Arrow Connector 9">
+            <a:extLst>
+              <a:ext uri="{FF2B5EF4-FFF2-40B4-BE49-F238E27FC236}">
+                <a16:creationId xmlns:a16="http://schemas.microsoft.com/office/drawing/2014/main" id="{DC328A25-1B70-4746-BECD-7B9B59DE57CD}"/>
+              </a:ext>
+            </a:extLst>
+          </p:cNvPr>
+          <p:cNvCxnSpPr>
+            <a:cxnSpLocks/>
+          </p:cNvCxnSpPr>
+          <p:nvPr/>
+        </p:nvCxnSpPr>
+        <p:spPr>
+          <a:xfrm>
+            <a:off x="8523890" y="3741683"/>
+            <a:ext cx="1078476" cy="0"/>
+          </a:xfrm>
+          <a:prstGeom prst="straightConnector1">
+            <a:avLst/>
+          </a:prstGeom>
+          <a:ln>
+            <a:tailEnd type="triangle"/>
+          </a:ln>
+        </p:spPr>
+        <p:style>
+          <a:lnRef idx="1">
+            <a:schemeClr val="accent1"/>
+          </a:lnRef>
+          <a:fillRef idx="0">
+            <a:schemeClr val="accent1"/>
+          </a:fillRef>
+          <a:effectRef idx="0">
+            <a:schemeClr val="accent1"/>
+          </a:effectRef>
+          <a:fontRef idx="minor">
+            <a:schemeClr val="tx1"/>
+          </a:fontRef>
+        </p:style>
+      </p:cxnSp>
+      <p:sp>
+        <p:nvSpPr>
+          <p:cNvPr id="12" name="TextBox 11">
+            <a:extLst>
+              <a:ext uri="{FF2B5EF4-FFF2-40B4-BE49-F238E27FC236}">
+                <a16:creationId xmlns:a16="http://schemas.microsoft.com/office/drawing/2014/main" id="{0F6EF29B-9D9A-3043-AD28-8EFCBC527DC8}"/>
+              </a:ext>
+            </a:extLst>
+          </p:cNvPr>
+          <p:cNvSpPr txBox="1"/>
+          <p:nvPr/>
+        </p:nvSpPr>
+        <p:spPr>
+          <a:xfrm>
+            <a:off x="8392886" y="3310706"/>
+            <a:ext cx="1212191" cy="276999"/>
+          </a:xfrm>
+          <a:prstGeom prst="rect">
+            <a:avLst/>
+          </a:prstGeom>
+          <a:noFill/>
+        </p:spPr>
+        <p:txBody>
+          <a:bodyPr wrap="none" rtlCol="0">
+            <a:spAutoFit/>
+          </a:bodyPr>
+          <a:lstStyle/>
+          <a:p>
+            <a:r>
+              <a:rPr lang="en-PA" sz="1200" dirty="0"/>
+              <a:t>NEW VERSION</a:t>
             </a:r>
           </a:p>
         </p:txBody>
@@ -6137,7 +6243,7 @@
         </p:blipFill>
         <p:spPr>
           <a:xfrm>
-            <a:off x="7064868" y="1159463"/>
+            <a:off x="3771726" y="1251639"/>
             <a:ext cx="4586846" cy="4992436"/>
           </a:xfrm>
         </p:spPr>
@@ -6158,8 +6264,8 @@
         </p:nvCxnSpPr>
         <p:spPr>
           <a:xfrm>
-            <a:off x="8496637" y="1990641"/>
-            <a:ext cx="1386399" cy="364252"/>
+            <a:off x="8404767" y="3359555"/>
+            <a:ext cx="1294529" cy="0"/>
           </a:xfrm>
           <a:prstGeom prst="straightConnector1">
             <a:avLst/>
@@ -6232,58 +6338,110 @@
       </p:sp>
       <p:pic>
         <p:nvPicPr>
-          <p:cNvPr id="11" name="Picture 2">
+          <p:cNvPr id="4" name="Picture 3">
             <a:extLst>
               <a:ext uri="{FF2B5EF4-FFF2-40B4-BE49-F238E27FC236}">
-                <a16:creationId xmlns:a16="http://schemas.microsoft.com/office/drawing/2014/main" id="{ADEC20EA-4788-CC43-858B-4375FE159B9D}"/>
+                <a16:creationId xmlns:a16="http://schemas.microsoft.com/office/drawing/2014/main" id="{BF0D0847-7BCF-3B4B-94B6-ADD70F826247}"/>
               </a:ext>
             </a:extLst>
           </p:cNvPr>
           <p:cNvPicPr>
-            <a:picLocks noChangeAspect="1" noChangeArrowheads="1"/>
+            <a:picLocks noChangeAspect="1"/>
           </p:cNvPicPr>
           <p:nvPr/>
         </p:nvPicPr>
         <p:blipFill>
-          <a:blip r:embed="rId3">
-            <a:extLst>
-              <a:ext uri="{28A0092B-C50C-407E-A947-70E740481C1C}">
-                <a14:useLocalDpi xmlns:a14="http://schemas.microsoft.com/office/drawing/2010/main" val="0"/>
-              </a:ext>
-            </a:extLst>
-          </a:blip>
-          <a:srcRect/>
+          <a:blip r:embed="rId3"/>
           <a:stretch>
             <a:fillRect/>
           </a:stretch>
         </p:blipFill>
-        <p:spPr bwMode="auto">
-          <a:xfrm>
-            <a:off x="4196220" y="1417638"/>
-            <a:ext cx="2379944" cy="4863101"/>
+        <p:spPr>
+          <a:xfrm>
+            <a:off x="9745490" y="1223792"/>
+            <a:ext cx="2275875" cy="4854284"/>
+          </a:xfrm>
+          <a:prstGeom prst="rect">
+            <a:avLst/>
+          </a:prstGeom>
+        </p:spPr>
+      </p:pic>
+      <p:sp>
+        <p:nvSpPr>
+          <p:cNvPr id="9" name="TextBox 8">
+            <a:extLst>
+              <a:ext uri="{FF2B5EF4-FFF2-40B4-BE49-F238E27FC236}">
+                <a16:creationId xmlns:a16="http://schemas.microsoft.com/office/drawing/2014/main" id="{79AB20D2-42DB-3D4F-AC6C-7E1FEFAB7246}"/>
+              </a:ext>
+            </a:extLst>
+          </p:cNvPr>
+          <p:cNvSpPr txBox="1"/>
+          <p:nvPr/>
+        </p:nvSpPr>
+        <p:spPr>
+          <a:xfrm>
+            <a:off x="8358572" y="3035247"/>
+            <a:ext cx="1386918" cy="307777"/>
           </a:xfrm>
           <a:prstGeom prst="rect">
             <a:avLst/>
           </a:prstGeom>
           <a:noFill/>
-          <a:effectLst>
-            <a:outerShdw blurRad="50800" dir="14400000">
-              <a:srgbClr val="000000">
-                <a:alpha val="40000"/>
-              </a:srgbClr>
-            </a:outerShdw>
-          </a:effectLst>
-          <a:extLst>
-            <a:ext uri="{909E8E84-426E-40DD-AFC4-6F175D3DCCD1}">
-              <a14:hiddenFill xmlns:a14="http://schemas.microsoft.com/office/drawing/2010/main">
-                <a:solidFill>
-                  <a:srgbClr val="FFFFFF"/>
-                </a:solidFill>
-              </a14:hiddenFill>
-            </a:ext>
-          </a:extLst>
-        </p:spPr>
-      </p:pic>
+        </p:spPr>
+        <p:txBody>
+          <a:bodyPr wrap="none" rtlCol="0">
+            <a:spAutoFit/>
+          </a:bodyPr>
+          <a:lstStyle/>
+          <a:p>
+            <a:r>
+              <a:rPr lang="en-PA" sz="1400" dirty="0"/>
+              <a:t>NEW VERSION</a:t>
+            </a:r>
+          </a:p>
+        </p:txBody>
+      </p:sp>
+      <p:cxnSp>
+        <p:nvCxnSpPr>
+          <p:cNvPr id="12" name="Straight Arrow Connector 11">
+            <a:extLst>
+              <a:ext uri="{FF2B5EF4-FFF2-40B4-BE49-F238E27FC236}">
+                <a16:creationId xmlns:a16="http://schemas.microsoft.com/office/drawing/2014/main" id="{7EEF3DAE-1FAE-9244-A3C4-B3D85B473A7D}"/>
+              </a:ext>
+            </a:extLst>
+          </p:cNvPr>
+          <p:cNvCxnSpPr>
+            <a:cxnSpLocks/>
+          </p:cNvCxnSpPr>
+          <p:nvPr/>
+        </p:nvCxnSpPr>
+        <p:spPr>
+          <a:xfrm flipV="1">
+            <a:off x="2713420" y="2504661"/>
+            <a:ext cx="3806650" cy="1700107"/>
+          </a:xfrm>
+          <a:prstGeom prst="straightConnector1">
+            <a:avLst/>
+          </a:prstGeom>
+          <a:ln>
+            <a:tailEnd type="triangle"/>
+          </a:ln>
+        </p:spPr>
+        <p:style>
+          <a:lnRef idx="1">
+            <a:schemeClr val="accent1"/>
+          </a:lnRef>
+          <a:fillRef idx="0">
+            <a:schemeClr val="accent1"/>
+          </a:fillRef>
+          <a:effectRef idx="0">
+            <a:schemeClr val="accent1"/>
+          </a:effectRef>
+          <a:fontRef idx="minor">
+            <a:schemeClr val="tx1"/>
+          </a:fontRef>
+        </p:style>
+      </p:cxnSp>
     </p:spTree>
     <p:extLst>
       <p:ext uri="{BB962C8B-B14F-4D97-AF65-F5344CB8AC3E}">
@@ -6342,36 +6500,6 @@
           </a:p>
         </p:txBody>
       </p:sp>
-      <p:pic>
-        <p:nvPicPr>
-          <p:cNvPr id="11" name="Picture 10">
-            <a:extLst>
-              <a:ext uri="{FF2B5EF4-FFF2-40B4-BE49-F238E27FC236}">
-                <a16:creationId xmlns:a16="http://schemas.microsoft.com/office/drawing/2014/main" id="{9453C5EB-A9ED-5F4A-B796-04B8C5FA9B79}"/>
-              </a:ext>
-            </a:extLst>
-          </p:cNvPr>
-          <p:cNvPicPr>
-            <a:picLocks noChangeAspect="1"/>
-          </p:cNvPicPr>
-          <p:nvPr/>
-        </p:nvPicPr>
-        <p:blipFill>
-          <a:blip r:embed="rId2"/>
-          <a:stretch>
-            <a:fillRect/>
-          </a:stretch>
-        </p:blipFill>
-        <p:spPr>
-          <a:xfrm>
-            <a:off x="8824962" y="447188"/>
-            <a:ext cx="2823700" cy="5841579"/>
-          </a:xfrm>
-          <a:prstGeom prst="rect">
-            <a:avLst/>
-          </a:prstGeom>
-        </p:spPr>
-      </p:pic>
       <p:sp>
         <p:nvSpPr>
           <p:cNvPr id="12" name="Content Placeholder 11">
@@ -6428,7 +6556,7 @@
           <p:nvPr/>
         </p:nvPicPr>
         <p:blipFill>
-          <a:blip r:embed="rId3"/>
+          <a:blip r:embed="rId2"/>
           <a:stretch>
             <a:fillRect/>
           </a:stretch>
@@ -6445,10 +6573,10 @@
       </p:pic>
       <p:cxnSp>
         <p:nvCxnSpPr>
-          <p:cNvPr id="18" name="Straight Arrow Connector 17">
+          <p:cNvPr id="21" name="Straight Arrow Connector 20">
             <a:extLst>
               <a:ext uri="{FF2B5EF4-FFF2-40B4-BE49-F238E27FC236}">
-                <a16:creationId xmlns:a16="http://schemas.microsoft.com/office/drawing/2014/main" id="{2A086418-1527-7448-BCDD-B4B1B0D055CA}"/>
+                <a16:creationId xmlns:a16="http://schemas.microsoft.com/office/drawing/2014/main" id="{DA1C36B3-DA87-3346-A10E-0A15FC5417EE}"/>
               </a:ext>
             </a:extLst>
           </p:cNvPr>
@@ -6459,8 +6587,8 @@
         </p:nvCxnSpPr>
         <p:spPr>
           <a:xfrm>
-            <a:off x="6570921" y="2569376"/>
-            <a:ext cx="2806995" cy="666997"/>
+            <a:off x="2203251" y="3330297"/>
+            <a:ext cx="7694728" cy="72617"/>
           </a:xfrm>
           <a:prstGeom prst="straightConnector1">
             <a:avLst/>
@@ -6484,12 +6612,119 @@
           </a:fontRef>
         </p:style>
       </p:cxnSp>
+      <p:sp>
+        <p:nvSpPr>
+          <p:cNvPr id="22" name="TextBox 21">
+            <a:extLst>
+              <a:ext uri="{FF2B5EF4-FFF2-40B4-BE49-F238E27FC236}">
+                <a16:creationId xmlns:a16="http://schemas.microsoft.com/office/drawing/2014/main" id="{537313EA-AFE8-0641-8929-E55A1214D48D}"/>
+              </a:ext>
+            </a:extLst>
+          </p:cNvPr>
+          <p:cNvSpPr txBox="1"/>
+          <p:nvPr/>
+        </p:nvSpPr>
+        <p:spPr>
+          <a:xfrm>
+            <a:off x="4308457" y="3072664"/>
+            <a:ext cx="4686687" cy="276999"/>
+          </a:xfrm>
+          <a:prstGeom prst="rect">
+            <a:avLst/>
+          </a:prstGeom>
+          <a:noFill/>
+        </p:spPr>
+        <p:txBody>
+          <a:bodyPr wrap="square" rtlCol="0">
+            <a:spAutoFit/>
+          </a:bodyPr>
+          <a:lstStyle/>
+          <a:p>
+            <a:r>
+              <a:rPr lang="en-PA" sz="1200" dirty="0">
+                <a:solidFill>
+                  <a:srgbClr val="FF0000"/>
+                </a:solidFill>
+              </a:rPr>
+              <a:t>MAX AMOUNT OF WORKOUTS CREATED BY COMPUTER</a:t>
+            </a:r>
+          </a:p>
+        </p:txBody>
+      </p:sp>
+      <p:sp>
+        <p:nvSpPr>
+          <p:cNvPr id="24" name="Rectangle 23">
+            <a:extLst>
+              <a:ext uri="{FF2B5EF4-FFF2-40B4-BE49-F238E27FC236}">
+                <a16:creationId xmlns:a16="http://schemas.microsoft.com/office/drawing/2014/main" id="{E8594159-05F0-CB42-BD55-31C5A04D30A7}"/>
+              </a:ext>
+            </a:extLst>
+          </p:cNvPr>
+          <p:cNvSpPr/>
+          <p:nvPr/>
+        </p:nvSpPr>
+        <p:spPr>
+          <a:xfrm rot="21351347">
+            <a:off x="7251598" y="2238523"/>
+            <a:ext cx="2355132" cy="276999"/>
+          </a:xfrm>
+          <a:prstGeom prst="rect">
+            <a:avLst/>
+          </a:prstGeom>
+        </p:spPr>
+        <p:txBody>
+          <a:bodyPr wrap="none">
+            <a:spAutoFit/>
+          </a:bodyPr>
+          <a:lstStyle/>
+          <a:p>
+            <a:r>
+              <a:rPr lang="en-PA" sz="1200" dirty="0">
+                <a:solidFill>
+                  <a:srgbClr val="FF0000"/>
+                </a:solidFill>
+              </a:rPr>
+              <a:t>Computer Creating workouts</a:t>
+            </a:r>
+          </a:p>
+        </p:txBody>
+      </p:sp>
+      <p:pic>
+        <p:nvPicPr>
+          <p:cNvPr id="10" name="Picture 9">
+            <a:extLst>
+              <a:ext uri="{FF2B5EF4-FFF2-40B4-BE49-F238E27FC236}">
+                <a16:creationId xmlns:a16="http://schemas.microsoft.com/office/drawing/2014/main" id="{968D8A3C-2408-484D-B79F-265167132195}"/>
+              </a:ext>
+            </a:extLst>
+          </p:cNvPr>
+          <p:cNvPicPr>
+            <a:picLocks noChangeAspect="1"/>
+          </p:cNvPicPr>
+          <p:nvPr/>
+        </p:nvPicPr>
+        <p:blipFill>
+          <a:blip r:embed="rId3"/>
+          <a:stretch>
+            <a:fillRect/>
+          </a:stretch>
+        </p:blipFill>
+        <p:spPr>
+          <a:xfrm>
+            <a:off x="9529871" y="665279"/>
+            <a:ext cx="2534257" cy="5405395"/>
+          </a:xfrm>
+          <a:prstGeom prst="rect">
+            <a:avLst/>
+          </a:prstGeom>
+        </p:spPr>
+      </p:pic>
       <p:cxnSp>
         <p:nvCxnSpPr>
-          <p:cNvPr id="21" name="Straight Arrow Connector 20">
+          <p:cNvPr id="4" name="Straight Arrow Connector 3">
             <a:extLst>
               <a:ext uri="{FF2B5EF4-FFF2-40B4-BE49-F238E27FC236}">
-                <a16:creationId xmlns:a16="http://schemas.microsoft.com/office/drawing/2014/main" id="{DA1C36B3-DA87-3346-A10E-0A15FC5417EE}"/>
+                <a16:creationId xmlns:a16="http://schemas.microsoft.com/office/drawing/2014/main" id="{279653CB-F2E4-F148-B5B6-02F0C4878DDD}"/>
               </a:ext>
             </a:extLst>
           </p:cNvPr>
@@ -6499,9 +6734,9 @@
           <p:nvPr/>
         </p:nvCxnSpPr>
         <p:spPr>
-          <a:xfrm>
-            <a:off x="2203251" y="3330297"/>
-            <a:ext cx="6887586" cy="37680"/>
+          <a:xfrm flipV="1">
+            <a:off x="7225978" y="2298383"/>
+            <a:ext cx="3571021" cy="348564"/>
           </a:xfrm>
           <a:prstGeom prst="straightConnector1">
             <a:avLst/>
@@ -6525,83 +6760,6 @@
           </a:fontRef>
         </p:style>
       </p:cxnSp>
-      <p:sp>
-        <p:nvSpPr>
-          <p:cNvPr id="22" name="TextBox 21">
-            <a:extLst>
-              <a:ext uri="{FF2B5EF4-FFF2-40B4-BE49-F238E27FC236}">
-                <a16:creationId xmlns:a16="http://schemas.microsoft.com/office/drawing/2014/main" id="{537313EA-AFE8-0641-8929-E55A1214D48D}"/>
-              </a:ext>
-            </a:extLst>
-          </p:cNvPr>
-          <p:cNvSpPr txBox="1"/>
-          <p:nvPr/>
-        </p:nvSpPr>
-        <p:spPr>
-          <a:xfrm>
-            <a:off x="4308457" y="3072664"/>
-            <a:ext cx="4686687" cy="276999"/>
-          </a:xfrm>
-          <a:prstGeom prst="rect">
-            <a:avLst/>
-          </a:prstGeom>
-          <a:noFill/>
-        </p:spPr>
-        <p:txBody>
-          <a:bodyPr wrap="square" rtlCol="0">
-            <a:spAutoFit/>
-          </a:bodyPr>
-          <a:lstStyle/>
-          <a:p>
-            <a:r>
-              <a:rPr lang="en-PA" sz="1200" dirty="0">
-                <a:solidFill>
-                  <a:srgbClr val="FF0000"/>
-                </a:solidFill>
-              </a:rPr>
-              <a:t>MAX AMOUNT OF WORKOUTS CREATED BY COMPUTER</a:t>
-            </a:r>
-          </a:p>
-        </p:txBody>
-      </p:sp>
-      <p:sp>
-        <p:nvSpPr>
-          <p:cNvPr id="24" name="Rectangle 23">
-            <a:extLst>
-              <a:ext uri="{FF2B5EF4-FFF2-40B4-BE49-F238E27FC236}">
-                <a16:creationId xmlns:a16="http://schemas.microsoft.com/office/drawing/2014/main" id="{E8594159-05F0-CB42-BD55-31C5A04D30A7}"/>
-              </a:ext>
-            </a:extLst>
-          </p:cNvPr>
-          <p:cNvSpPr/>
-          <p:nvPr/>
-        </p:nvSpPr>
-        <p:spPr>
-          <a:xfrm rot="891386">
-            <a:off x="7222125" y="2756001"/>
-            <a:ext cx="2355132" cy="276999"/>
-          </a:xfrm>
-          <a:prstGeom prst="rect">
-            <a:avLst/>
-          </a:prstGeom>
-        </p:spPr>
-        <p:txBody>
-          <a:bodyPr wrap="none">
-            <a:spAutoFit/>
-          </a:bodyPr>
-          <a:lstStyle/>
-          <a:p>
-            <a:r>
-              <a:rPr lang="en-PA" sz="1200" dirty="0">
-                <a:solidFill>
-                  <a:srgbClr val="FF0000"/>
-                </a:solidFill>
-              </a:rPr>
-              <a:t>Computer Creating workouts</a:t>
-            </a:r>
-          </a:p>
-        </p:txBody>
-      </p:sp>
     </p:spTree>
     <p:extLst>
       <p:ext uri="{BB962C8B-B14F-4D97-AF65-F5344CB8AC3E}">
@@ -6733,12 +6891,86 @@
           </a:p>
         </p:txBody>
       </p:sp>
+      <p:sp>
+        <p:nvSpPr>
+          <p:cNvPr id="16" name="TextBox 15">
+            <a:extLst>
+              <a:ext uri="{FF2B5EF4-FFF2-40B4-BE49-F238E27FC236}">
+                <a16:creationId xmlns:a16="http://schemas.microsoft.com/office/drawing/2014/main" id="{EDAA96A7-CE90-2046-81C6-A625CCFB9320}"/>
+              </a:ext>
+            </a:extLst>
+          </p:cNvPr>
+          <p:cNvSpPr txBox="1"/>
+          <p:nvPr/>
+        </p:nvSpPr>
+        <p:spPr>
+          <a:xfrm rot="20774833">
+            <a:off x="6173325" y="2096202"/>
+            <a:ext cx="2593980" cy="338554"/>
+          </a:xfrm>
+          <a:prstGeom prst="rect">
+            <a:avLst/>
+          </a:prstGeom>
+          <a:noFill/>
+        </p:spPr>
+        <p:txBody>
+          <a:bodyPr wrap="none" rtlCol="0">
+            <a:spAutoFit/>
+          </a:bodyPr>
+          <a:lstStyle/>
+          <a:p>
+            <a:r>
+              <a:rPr lang="en-PA" sz="1600" dirty="0"/>
+              <a:t>Create Custom Workout</a:t>
+            </a:r>
+          </a:p>
+        </p:txBody>
+      </p:sp>
+      <p:sp>
+        <p:nvSpPr>
+          <p:cNvPr id="17" name="TextBox 16">
+            <a:extLst>
+              <a:ext uri="{FF2B5EF4-FFF2-40B4-BE49-F238E27FC236}">
+                <a16:creationId xmlns:a16="http://schemas.microsoft.com/office/drawing/2014/main" id="{3768489E-DD4C-544D-B826-DD7BBAFE630F}"/>
+              </a:ext>
+            </a:extLst>
+          </p:cNvPr>
+          <p:cNvSpPr txBox="1"/>
+          <p:nvPr/>
+        </p:nvSpPr>
+        <p:spPr>
+          <a:xfrm rot="21118020">
+            <a:off x="8160120" y="2476632"/>
+            <a:ext cx="974947" cy="261610"/>
+          </a:xfrm>
+          <a:prstGeom prst="rect">
+            <a:avLst/>
+          </a:prstGeom>
+          <a:noFill/>
+        </p:spPr>
+        <p:txBody>
+          <a:bodyPr wrap="none" rtlCol="0">
+            <a:spAutoFit/>
+          </a:bodyPr>
+          <a:lstStyle/>
+          <a:p>
+            <a:r>
+              <a:rPr lang="en-PA" sz="1100" dirty="0">
+                <a:solidFill>
+                  <a:srgbClr val="FF0000"/>
+                </a:solidFill>
+              </a:rPr>
+              <a:t>Add it to list</a:t>
+            </a:r>
+          </a:p>
+        </p:txBody>
+      </p:sp>
       <p:pic>
         <p:nvPicPr>
-          <p:cNvPr id="6" name="Picture 5">
+          <p:cNvPr id="7" name="Picture 6">
             <a:extLst>
               <a:ext uri="{FF2B5EF4-FFF2-40B4-BE49-F238E27FC236}">
-                <a16:creationId xmlns:a16="http://schemas.microsoft.com/office/drawing/2014/main" id="{79AC7DC8-0B51-8245-A9C4-C945BB3EC4F8}"/>
+                <a16:creationId xmlns:a16="http://schemas.microsoft.com/office/drawing/2014/main" id="{68D702FB-06A4-B845-8262-88B179506855}"/>
               </a:ext>
             </a:extLst>
           </p:cNvPr>
@@ -6755,8 +6987,8 @@
         </p:blipFill>
         <p:spPr>
           <a:xfrm>
-            <a:off x="9377986" y="1107743"/>
-            <a:ext cx="2498512" cy="5168841"/>
+            <a:off x="9590568" y="1465798"/>
+            <a:ext cx="2087612" cy="4452730"/>
           </a:xfrm>
           <a:prstGeom prst="rect">
             <a:avLst/>
@@ -6765,22 +6997,20 @@
       </p:pic>
       <p:cxnSp>
         <p:nvCxnSpPr>
-          <p:cNvPr id="8" name="Straight Arrow Connector 7">
+          <p:cNvPr id="11" name="Straight Arrow Connector 10">
             <a:extLst>
               <a:ext uri="{FF2B5EF4-FFF2-40B4-BE49-F238E27FC236}">
-                <a16:creationId xmlns:a16="http://schemas.microsoft.com/office/drawing/2014/main" id="{2619F5A2-3FE3-6446-83BA-93ADB9DCCAF1}"/>
+                <a16:creationId xmlns:a16="http://schemas.microsoft.com/office/drawing/2014/main" id="{A99F0468-10E4-9B49-B1CF-29ED3ADC6FDD}"/>
               </a:ext>
             </a:extLst>
           </p:cNvPr>
-          <p:cNvCxnSpPr>
-            <a:cxnSpLocks/>
-          </p:cNvCxnSpPr>
+          <p:cNvCxnSpPr/>
           <p:nvPr/>
         </p:nvCxnSpPr>
         <p:spPr>
           <a:xfrm flipV="1">
-            <a:off x="3413051" y="2690037"/>
-            <a:ext cx="6804837" cy="616689"/>
+            <a:off x="5327374" y="2265479"/>
+            <a:ext cx="4452730" cy="555564"/>
           </a:xfrm>
           <a:prstGeom prst="straightConnector1">
             <a:avLst/>
@@ -6806,10 +7036,10 @@
       </p:cxnSp>
       <p:cxnSp>
         <p:nvCxnSpPr>
-          <p:cNvPr id="13" name="Straight Arrow Connector 12">
+          <p:cNvPr id="14" name="Straight Arrow Connector 13">
             <a:extLst>
               <a:ext uri="{FF2B5EF4-FFF2-40B4-BE49-F238E27FC236}">
-                <a16:creationId xmlns:a16="http://schemas.microsoft.com/office/drawing/2014/main" id="{4B9F9202-9400-0149-B285-A1097411195F}"/>
+                <a16:creationId xmlns:a16="http://schemas.microsoft.com/office/drawing/2014/main" id="{65C38126-6A2F-5D47-A27C-A5A4FBB4F95B}"/>
               </a:ext>
             </a:extLst>
           </p:cNvPr>
@@ -6820,8 +7050,8 @@
         </p:nvCxnSpPr>
         <p:spPr>
           <a:xfrm flipV="1">
-            <a:off x="5167423" y="2078193"/>
-            <a:ext cx="4423145" cy="920188"/>
+            <a:off x="3260035" y="2265480"/>
+            <a:ext cx="8121963" cy="1163520"/>
           </a:xfrm>
           <a:prstGeom prst="straightConnector1">
             <a:avLst/>
@@ -6845,80 +7075,6 @@
           </a:fontRef>
         </p:style>
       </p:cxnSp>
-      <p:sp>
-        <p:nvSpPr>
-          <p:cNvPr id="16" name="TextBox 15">
-            <a:extLst>
-              <a:ext uri="{FF2B5EF4-FFF2-40B4-BE49-F238E27FC236}">
-                <a16:creationId xmlns:a16="http://schemas.microsoft.com/office/drawing/2014/main" id="{EDAA96A7-CE90-2046-81C6-A625CCFB9320}"/>
-              </a:ext>
-            </a:extLst>
-          </p:cNvPr>
-          <p:cNvSpPr txBox="1"/>
-          <p:nvPr/>
-        </p:nvSpPr>
-        <p:spPr>
-          <a:xfrm rot="20774833">
-            <a:off x="6173325" y="2096202"/>
-            <a:ext cx="2593980" cy="338554"/>
-          </a:xfrm>
-          <a:prstGeom prst="rect">
-            <a:avLst/>
-          </a:prstGeom>
-          <a:noFill/>
-        </p:spPr>
-        <p:txBody>
-          <a:bodyPr wrap="none" rtlCol="0">
-            <a:spAutoFit/>
-          </a:bodyPr>
-          <a:lstStyle/>
-          <a:p>
-            <a:r>
-              <a:rPr lang="en-PA" sz="1600" dirty="0"/>
-              <a:t>Create Custom Workout</a:t>
-            </a:r>
-          </a:p>
-        </p:txBody>
-      </p:sp>
-      <p:sp>
-        <p:nvSpPr>
-          <p:cNvPr id="17" name="TextBox 16">
-            <a:extLst>
-              <a:ext uri="{FF2B5EF4-FFF2-40B4-BE49-F238E27FC236}">
-                <a16:creationId xmlns:a16="http://schemas.microsoft.com/office/drawing/2014/main" id="{3768489E-DD4C-544D-B826-DD7BBAFE630F}"/>
-              </a:ext>
-            </a:extLst>
-          </p:cNvPr>
-          <p:cNvSpPr txBox="1"/>
-          <p:nvPr/>
-        </p:nvSpPr>
-        <p:spPr>
-          <a:xfrm>
-            <a:off x="8484753" y="2559433"/>
-            <a:ext cx="974947" cy="261610"/>
-          </a:xfrm>
-          <a:prstGeom prst="rect">
-            <a:avLst/>
-          </a:prstGeom>
-          <a:noFill/>
-        </p:spPr>
-        <p:txBody>
-          <a:bodyPr wrap="none" rtlCol="0">
-            <a:spAutoFit/>
-          </a:bodyPr>
-          <a:lstStyle/>
-          <a:p>
-            <a:r>
-              <a:rPr lang="en-PA" sz="1100" dirty="0">
-                <a:solidFill>
-                  <a:srgbClr val="FF0000"/>
-                </a:solidFill>
-              </a:rPr>
-              <a:t>Add it to list</a:t>
-            </a:r>
-          </a:p>
-        </p:txBody>
-      </p:sp>
     </p:spTree>
     <p:extLst>
       <p:ext uri="{BB962C8B-B14F-4D97-AF65-F5344CB8AC3E}">
@@ -6977,55 +7133,6 @@
           </a:p>
         </p:txBody>
       </p:sp>
-      <p:pic>
-        <p:nvPicPr>
-          <p:cNvPr id="2050" name="Picture 2">
-            <a:extLst>
-              <a:ext uri="{FF2B5EF4-FFF2-40B4-BE49-F238E27FC236}">
-                <a16:creationId xmlns:a16="http://schemas.microsoft.com/office/drawing/2014/main" id="{85DBE45B-70D6-994D-ADB4-5F2CEDBE18DC}"/>
-              </a:ext>
-            </a:extLst>
-          </p:cNvPr>
-          <p:cNvPicPr>
-            <a:picLocks noGrp="1" noChangeAspect="1" noChangeArrowheads="1"/>
-          </p:cNvPicPr>
-          <p:nvPr>
-            <p:ph idx="1"/>
-          </p:nvPr>
-        </p:nvPicPr>
-        <p:blipFill>
-          <a:blip r:embed="rId2">
-            <a:extLst>
-              <a:ext uri="{28A0092B-C50C-407E-A947-70E740481C1C}">
-                <a14:useLocalDpi xmlns:a14="http://schemas.microsoft.com/office/drawing/2010/main" val="0"/>
-              </a:ext>
-            </a:extLst>
-          </a:blip>
-          <a:srcRect/>
-          <a:stretch>
-            <a:fillRect/>
-          </a:stretch>
-        </p:blipFill>
-        <p:spPr bwMode="auto">
-          <a:xfrm>
-            <a:off x="8226196" y="1232714"/>
-            <a:ext cx="2127162" cy="4549579"/>
-          </a:xfrm>
-          <a:prstGeom prst="rect">
-            <a:avLst/>
-          </a:prstGeom>
-          <a:noFill/>
-          <a:extLst>
-            <a:ext uri="{909E8E84-426E-40DD-AFC4-6F175D3DCCD1}">
-              <a14:hiddenFill xmlns:a14="http://schemas.microsoft.com/office/drawing/2010/main">
-                <a:solidFill>
-                  <a:srgbClr val="FFFFFF"/>
-                </a:solidFill>
-              </a14:hiddenFill>
-            </a:ext>
-          </a:extLst>
-        </p:spPr>
-      </p:pic>
       <p:sp>
         <p:nvSpPr>
           <p:cNvPr id="6" name="TextBox 5">
@@ -7076,7 +7183,7 @@
           <p:nvPr/>
         </p:nvPicPr>
         <p:blipFill>
-          <a:blip r:embed="rId3"/>
+          <a:blip r:embed="rId2"/>
           <a:stretch>
             <a:fillRect/>
           </a:stretch>
@@ -7091,47 +7198,6 @@
           </a:prstGeom>
         </p:spPr>
       </p:pic>
-      <p:cxnSp>
-        <p:nvCxnSpPr>
-          <p:cNvPr id="10" name="Straight Arrow Connector 9">
-            <a:extLst>
-              <a:ext uri="{FF2B5EF4-FFF2-40B4-BE49-F238E27FC236}">
-                <a16:creationId xmlns:a16="http://schemas.microsoft.com/office/drawing/2014/main" id="{329BBA48-A1D1-7646-8746-C34A6A9877FE}"/>
-              </a:ext>
-            </a:extLst>
-          </p:cNvPr>
-          <p:cNvCxnSpPr>
-            <a:cxnSpLocks/>
-          </p:cNvCxnSpPr>
-          <p:nvPr/>
-        </p:nvCxnSpPr>
-        <p:spPr>
-          <a:xfrm flipV="1">
-            <a:off x="4287520" y="2203165"/>
-            <a:ext cx="5002257" cy="2338355"/>
-          </a:xfrm>
-          <a:prstGeom prst="straightConnector1">
-            <a:avLst/>
-          </a:prstGeom>
-          <a:ln>
-            <a:tailEnd type="triangle"/>
-          </a:ln>
-        </p:spPr>
-        <p:style>
-          <a:lnRef idx="1">
-            <a:schemeClr val="accent1"/>
-          </a:lnRef>
-          <a:fillRef idx="0">
-            <a:schemeClr val="accent1"/>
-          </a:fillRef>
-          <a:effectRef idx="0">
-            <a:schemeClr val="accent1"/>
-          </a:effectRef>
-          <a:fontRef idx="minor">
-            <a:schemeClr val="tx1"/>
-          </a:fontRef>
-        </p:style>
-      </p:cxnSp>
       <p:cxnSp>
         <p:nvCxnSpPr>
           <p:cNvPr id="13" name="Straight Arrow Connector 12">
@@ -7147,9 +7213,9 @@
           <p:nvPr/>
         </p:nvCxnSpPr>
         <p:spPr>
-          <a:xfrm>
-            <a:off x="5100320" y="4628644"/>
-            <a:ext cx="3315397" cy="1"/>
+          <a:xfrm flipV="1">
+            <a:off x="5100320" y="2527513"/>
+            <a:ext cx="4958080" cy="2101131"/>
           </a:xfrm>
           <a:prstGeom prst="straightConnector1">
             <a:avLst/>
@@ -7189,8 +7255,107 @@
         </p:nvCxnSpPr>
         <p:spPr>
           <a:xfrm flipV="1">
-            <a:off x="3965805" y="4954615"/>
-            <a:ext cx="4522740" cy="237145"/>
+            <a:off x="3965805" y="2871537"/>
+            <a:ext cx="6092595" cy="2320225"/>
+          </a:xfrm>
+          <a:prstGeom prst="straightConnector1">
+            <a:avLst/>
+          </a:prstGeom>
+          <a:ln>
+            <a:tailEnd type="triangle"/>
+          </a:ln>
+        </p:spPr>
+        <p:style>
+          <a:lnRef idx="1">
+            <a:schemeClr val="accent1"/>
+          </a:lnRef>
+          <a:fillRef idx="0">
+            <a:schemeClr val="accent1"/>
+          </a:fillRef>
+          <a:effectRef idx="0">
+            <a:schemeClr val="accent1"/>
+          </a:effectRef>
+          <a:fontRef idx="minor">
+            <a:schemeClr val="tx1"/>
+          </a:fontRef>
+        </p:style>
+      </p:cxnSp>
+      <p:pic>
+        <p:nvPicPr>
+          <p:cNvPr id="9" name="Picture 8">
+            <a:extLst>
+              <a:ext uri="{FF2B5EF4-FFF2-40B4-BE49-F238E27FC236}">
+                <a16:creationId xmlns:a16="http://schemas.microsoft.com/office/drawing/2014/main" id="{D61CCBEC-93CC-7E42-8FAA-880B5A835FD4}"/>
+              </a:ext>
+            </a:extLst>
+          </p:cNvPr>
+          <p:cNvPicPr>
+            <a:picLocks noChangeAspect="1"/>
+          </p:cNvPicPr>
+          <p:nvPr/>
+        </p:nvPicPr>
+        <p:blipFill>
+          <a:blip r:embed="rId3"/>
+          <a:stretch>
+            <a:fillRect/>
+          </a:stretch>
+        </p:blipFill>
+        <p:spPr>
+          <a:xfrm>
+            <a:off x="8432961" y="1693235"/>
+            <a:ext cx="2259122" cy="4818552"/>
+          </a:xfrm>
+          <a:prstGeom prst="rect">
+            <a:avLst/>
+          </a:prstGeom>
+        </p:spPr>
+      </p:pic>
+      <p:sp>
+        <p:nvSpPr>
+          <p:cNvPr id="17" name="Content Placeholder 16">
+            <a:extLst>
+              <a:ext uri="{FF2B5EF4-FFF2-40B4-BE49-F238E27FC236}">
+                <a16:creationId xmlns:a16="http://schemas.microsoft.com/office/drawing/2014/main" id="{F9DC5BEB-975F-0248-AADF-3D277B507FB3}"/>
+              </a:ext>
+            </a:extLst>
+          </p:cNvPr>
+          <p:cNvSpPr>
+            <a:spLocks noGrp="1"/>
+          </p:cNvSpPr>
+          <p:nvPr>
+            <p:ph idx="1"/>
+          </p:nvPr>
+        </p:nvSpPr>
+        <p:spPr>
+          <a:xfrm>
+            <a:off x="818712" y="2222287"/>
+            <a:ext cx="4530164" cy="1059335"/>
+          </a:xfrm>
+        </p:spPr>
+        <p:txBody>
+          <a:bodyPr/>
+          <a:lstStyle/>
+          <a:p>
+            <a:endParaRPr lang="en-PA" dirty="0"/>
+          </a:p>
+        </p:txBody>
+      </p:sp>
+      <p:cxnSp>
+        <p:nvCxnSpPr>
+          <p:cNvPr id="20" name="Straight Arrow Connector 19">
+            <a:extLst>
+              <a:ext uri="{FF2B5EF4-FFF2-40B4-BE49-F238E27FC236}">
+                <a16:creationId xmlns:a16="http://schemas.microsoft.com/office/drawing/2014/main" id="{A7B7313A-BF82-6F49-86FA-EA0221589C54}"/>
+              </a:ext>
+            </a:extLst>
+          </p:cNvPr>
+          <p:cNvCxnSpPr/>
+          <p:nvPr/>
+        </p:nvCxnSpPr>
+        <p:spPr>
+          <a:xfrm flipV="1">
+            <a:off x="4315326" y="2527513"/>
+            <a:ext cx="4507832" cy="2101131"/>
           </a:xfrm>
           <a:prstGeom prst="straightConnector1">
             <a:avLst/>
@@ -7304,7 +7469,7 @@
         </p:blipFill>
         <p:spPr>
           <a:xfrm>
-            <a:off x="8758239" y="1191141"/>
+            <a:off x="6351855" y="1335734"/>
             <a:ext cx="2374049" cy="4856012"/>
           </a:xfrm>
         </p:spPr>
@@ -7324,7 +7489,7 @@
         <p:spPr>
           <a:xfrm>
             <a:off x="542261" y="2275368"/>
-            <a:ext cx="4253023" cy="2031325"/>
+            <a:ext cx="4253023" cy="2308324"/>
           </a:xfrm>
           <a:prstGeom prst="rect">
             <a:avLst/>
@@ -7339,7 +7504,7 @@
           <a:p>
             <a:r>
               <a:rPr lang="en-PA" dirty="0"/>
-              <a:t>The clear buttom deletes the users’s custom workout and the workout created by the computer </a:t>
+              <a:t>The clear buttom (minus sign)  deletes the users’s custom workout and the workout created by the computer </a:t>
             </a:r>
           </a:p>
           <a:p>
@@ -7375,14 +7540,200 @@
         </p:blipFill>
         <p:spPr>
           <a:xfrm>
-            <a:off x="209546" y="4454429"/>
-            <a:ext cx="6448431" cy="2093068"/>
+            <a:off x="209547" y="4636839"/>
+            <a:ext cx="5886454" cy="1910658"/>
           </a:xfrm>
           <a:prstGeom prst="rect">
             <a:avLst/>
           </a:prstGeom>
         </p:spPr>
       </p:pic>
+      <p:pic>
+        <p:nvPicPr>
+          <p:cNvPr id="7" name="Picture 6">
+            <a:extLst>
+              <a:ext uri="{FF2B5EF4-FFF2-40B4-BE49-F238E27FC236}">
+                <a16:creationId xmlns:a16="http://schemas.microsoft.com/office/drawing/2014/main" id="{89310186-FAE6-9C49-934B-251063549636}"/>
+              </a:ext>
+            </a:extLst>
+          </p:cNvPr>
+          <p:cNvPicPr>
+            <a:picLocks noChangeAspect="1"/>
+          </p:cNvPicPr>
+          <p:nvPr/>
+        </p:nvPicPr>
+        <p:blipFill>
+          <a:blip r:embed="rId4"/>
+          <a:stretch>
+            <a:fillRect/>
+          </a:stretch>
+        </p:blipFill>
+        <p:spPr>
+          <a:xfrm>
+            <a:off x="9894841" y="1537375"/>
+            <a:ext cx="2087612" cy="4452730"/>
+          </a:xfrm>
+          <a:prstGeom prst="rect">
+            <a:avLst/>
+          </a:prstGeom>
+        </p:spPr>
+      </p:pic>
+      <p:cxnSp>
+        <p:nvCxnSpPr>
+          <p:cNvPr id="4" name="Straight Arrow Connector 3">
+            <a:extLst>
+              <a:ext uri="{FF2B5EF4-FFF2-40B4-BE49-F238E27FC236}">
+                <a16:creationId xmlns:a16="http://schemas.microsoft.com/office/drawing/2014/main" id="{EBE03D7A-4D8A-2B4A-B74B-951974F8FFE1}"/>
+              </a:ext>
+            </a:extLst>
+          </p:cNvPr>
+          <p:cNvCxnSpPr>
+            <a:cxnSpLocks/>
+          </p:cNvCxnSpPr>
+          <p:nvPr/>
+        </p:nvCxnSpPr>
+        <p:spPr>
+          <a:xfrm flipV="1">
+            <a:off x="8325853" y="3304675"/>
+            <a:ext cx="3323886" cy="1876925"/>
+          </a:xfrm>
+          <a:prstGeom prst="straightConnector1">
+            <a:avLst/>
+          </a:prstGeom>
+          <a:ln>
+            <a:tailEnd type="triangle"/>
+          </a:ln>
+        </p:spPr>
+        <p:style>
+          <a:lnRef idx="1">
+            <a:schemeClr val="accent1"/>
+          </a:lnRef>
+          <a:fillRef idx="0">
+            <a:schemeClr val="accent1"/>
+          </a:fillRef>
+          <a:effectRef idx="0">
+            <a:schemeClr val="accent1"/>
+          </a:effectRef>
+          <a:fontRef idx="minor">
+            <a:schemeClr val="tx1"/>
+          </a:fontRef>
+        </p:style>
+      </p:cxnSp>
+      <p:cxnSp>
+        <p:nvCxnSpPr>
+          <p:cNvPr id="9" name="Straight Arrow Connector 8">
+            <a:extLst>
+              <a:ext uri="{FF2B5EF4-FFF2-40B4-BE49-F238E27FC236}">
+                <a16:creationId xmlns:a16="http://schemas.microsoft.com/office/drawing/2014/main" id="{22BEC4BF-E9D3-1A4F-BFC5-63BC92F53E98}"/>
+              </a:ext>
+            </a:extLst>
+          </p:cNvPr>
+          <p:cNvCxnSpPr>
+            <a:cxnSpLocks/>
+          </p:cNvCxnSpPr>
+          <p:nvPr/>
+        </p:nvCxnSpPr>
+        <p:spPr>
+          <a:xfrm flipV="1">
+            <a:off x="8325853" y="4283242"/>
+            <a:ext cx="3323886" cy="1018095"/>
+          </a:xfrm>
+          <a:prstGeom prst="straightConnector1">
+            <a:avLst/>
+          </a:prstGeom>
+          <a:ln>
+            <a:tailEnd type="triangle"/>
+          </a:ln>
+        </p:spPr>
+        <p:style>
+          <a:lnRef idx="1">
+            <a:schemeClr val="accent1"/>
+          </a:lnRef>
+          <a:fillRef idx="0">
+            <a:schemeClr val="accent1"/>
+          </a:fillRef>
+          <a:effectRef idx="0">
+            <a:schemeClr val="accent1"/>
+          </a:effectRef>
+          <a:fontRef idx="minor">
+            <a:schemeClr val="tx1"/>
+          </a:fontRef>
+        </p:style>
+      </p:cxnSp>
+      <p:sp>
+        <p:nvSpPr>
+          <p:cNvPr id="12" name="TextBox 11">
+            <a:extLst>
+              <a:ext uri="{FF2B5EF4-FFF2-40B4-BE49-F238E27FC236}">
+                <a16:creationId xmlns:a16="http://schemas.microsoft.com/office/drawing/2014/main" id="{84C56AB0-8CD6-BA42-9492-3DC47B0002D8}"/>
+              </a:ext>
+            </a:extLst>
+          </p:cNvPr>
+          <p:cNvSpPr txBox="1"/>
+          <p:nvPr/>
+        </p:nvSpPr>
+        <p:spPr>
+          <a:xfrm>
+            <a:off x="8600878" y="2877161"/>
+            <a:ext cx="1386918" cy="307777"/>
+          </a:xfrm>
+          <a:prstGeom prst="rect">
+            <a:avLst/>
+          </a:prstGeom>
+          <a:noFill/>
+        </p:spPr>
+        <p:txBody>
+          <a:bodyPr wrap="none" rtlCol="0">
+            <a:spAutoFit/>
+          </a:bodyPr>
+          <a:lstStyle/>
+          <a:p>
+            <a:r>
+              <a:rPr lang="en-PA" sz="1400" dirty="0"/>
+              <a:t>NEW VERSION</a:t>
+            </a:r>
+          </a:p>
+        </p:txBody>
+      </p:sp>
+      <p:cxnSp>
+        <p:nvCxnSpPr>
+          <p:cNvPr id="16" name="Straight Arrow Connector 15">
+            <a:extLst>
+              <a:ext uri="{FF2B5EF4-FFF2-40B4-BE49-F238E27FC236}">
+                <a16:creationId xmlns:a16="http://schemas.microsoft.com/office/drawing/2014/main" id="{BB397EED-6E01-4142-8E8E-1DE3EB928AF4}"/>
+              </a:ext>
+            </a:extLst>
+          </p:cNvPr>
+          <p:cNvCxnSpPr/>
+          <p:nvPr/>
+        </p:nvCxnSpPr>
+        <p:spPr>
+          <a:xfrm flipV="1">
+            <a:off x="8600878" y="3184938"/>
+            <a:ext cx="1293963" cy="119737"/>
+          </a:xfrm>
+          <a:prstGeom prst="straightConnector1">
+            <a:avLst/>
+          </a:prstGeom>
+          <a:ln>
+            <a:tailEnd type="triangle"/>
+          </a:ln>
+        </p:spPr>
+        <p:style>
+          <a:lnRef idx="1">
+            <a:schemeClr val="accent1"/>
+          </a:lnRef>
+          <a:fillRef idx="0">
+            <a:schemeClr val="accent1"/>
+          </a:fillRef>
+          <a:effectRef idx="0">
+            <a:schemeClr val="accent1"/>
+          </a:effectRef>
+          <a:fontRef idx="minor">
+            <a:schemeClr val="tx1"/>
+          </a:fontRef>
+        </p:style>
+      </p:cxnSp>
     </p:spTree>
     <p:extLst>
       <p:ext uri="{BB962C8B-B14F-4D97-AF65-F5344CB8AC3E}">
